--- a/W07_정리중/캐글 경진 대회(보스턴 집값)/boston.pptx
+++ b/W07_정리중/캐글 경진 대회(보스턴 집값)/boston.pptx
@@ -227,7 +227,7 @@
           <a:p>
             <a:fld id="{A461EC0B-29B0-479C-9252-C77D161DC0C9}" type="datetimeFigureOut">
               <a:rPr lang="ko-KR" altLang="en-US" smtClean="0"/>
-              <a:t>2021-06-12</a:t>
+              <a:t>2021-08-07</a:t>
             </a:fld>
             <a:endParaRPr lang="ko-KR" altLang="en-US"/>
           </a:p>
@@ -1101,7 +1101,7 @@
           <a:p>
             <a:fld id="{83E32C3D-F41B-41B6-A904-82346E3708B3}" type="datetime1">
               <a:rPr lang="ko-KR" altLang="en-US" smtClean="0"/>
-              <a:t>2021-06-12</a:t>
+              <a:t>2021-08-07</a:t>
             </a:fld>
             <a:endParaRPr lang="ko-KR" altLang="en-US"/>
           </a:p>
@@ -1271,7 +1271,7 @@
           <a:p>
             <a:fld id="{52017A67-45FF-4F78-BBC2-DD3464BDF153}" type="datetime1">
               <a:rPr lang="ko-KR" altLang="en-US" smtClean="0"/>
-              <a:t>2021-06-12</a:t>
+              <a:t>2021-08-07</a:t>
             </a:fld>
             <a:endParaRPr lang="ko-KR" altLang="en-US"/>
           </a:p>
@@ -1451,7 +1451,7 @@
           <a:p>
             <a:fld id="{48608D94-932F-49D3-9EDD-DE432A8A4C83}" type="datetime1">
               <a:rPr lang="ko-KR" altLang="en-US" smtClean="0"/>
-              <a:t>2021-06-12</a:t>
+              <a:t>2021-08-07</a:t>
             </a:fld>
             <a:endParaRPr lang="ko-KR" altLang="en-US"/>
           </a:p>
@@ -1738,7 +1738,7 @@
           <a:p>
             <a:fld id="{A4D31F4A-1909-42DF-BBC8-748B8263D390}" type="datetime1">
               <a:rPr lang="ko-KR" altLang="en-US" smtClean="0"/>
-              <a:t>2021-06-12</a:t>
+              <a:t>2021-08-07</a:t>
             </a:fld>
             <a:endParaRPr lang="ko-KR" altLang="en-US"/>
           </a:p>
@@ -1999,7 +1999,7 @@
           <a:p>
             <a:fld id="{A1FBDE91-BF7A-458B-8917-33EA9129CA39}" type="datetime1">
               <a:rPr lang="ko-KR" altLang="en-US" smtClean="0"/>
-              <a:t>2021-06-12</a:t>
+              <a:t>2021-08-07</a:t>
             </a:fld>
             <a:endParaRPr lang="ko-KR" altLang="en-US"/>
           </a:p>
@@ -2216,7 +2216,7 @@
           <a:p>
             <a:fld id="{30B22928-B6BB-4BD2-9773-67A2F5FC36D5}" type="datetime1">
               <a:rPr lang="ko-KR" altLang="en-US" smtClean="0"/>
-              <a:t>2021-06-12</a:t>
+              <a:t>2021-08-07</a:t>
             </a:fld>
             <a:endParaRPr lang="ko-KR" altLang="en-US"/>
           </a:p>
@@ -2559,7 +2559,7 @@
           <a:p>
             <a:fld id="{A1FBDE91-BF7A-458B-8917-33EA9129CA39}" type="datetime1">
               <a:rPr lang="ko-KR" altLang="en-US" smtClean="0"/>
-              <a:t>2021-06-12</a:t>
+              <a:t>2021-08-07</a:t>
             </a:fld>
             <a:endParaRPr lang="ko-KR" altLang="en-US"/>
           </a:p>
@@ -2834,7 +2834,7 @@
           <a:p>
             <a:fld id="{7BE86DFF-60B1-4628-AC30-E7FF683A6921}" type="datetime1">
               <a:rPr lang="ko-KR" altLang="en-US" smtClean="0"/>
-              <a:t>2021-06-12</a:t>
+              <a:t>2021-08-07</a:t>
             </a:fld>
             <a:endParaRPr lang="ko-KR" altLang="en-US"/>
           </a:p>
@@ -3213,7 +3213,7 @@
           <a:p>
             <a:fld id="{6BED1397-A155-4D4B-A812-3D3AE103007B}" type="datetime1">
               <a:rPr lang="ko-KR" altLang="en-US" smtClean="0"/>
-              <a:t>2021-06-12</a:t>
+              <a:t>2021-08-07</a:t>
             </a:fld>
             <a:endParaRPr lang="ko-KR" altLang="en-US"/>
           </a:p>
@@ -3336,7 +3336,7 @@
           <a:p>
             <a:fld id="{EEC36619-CCAD-467D-89BB-4119CC048F4F}" type="datetime1">
               <a:rPr lang="ko-KR" altLang="en-US" smtClean="0"/>
-              <a:t>2021-06-12</a:t>
+              <a:t>2021-08-07</a:t>
             </a:fld>
             <a:endParaRPr lang="ko-KR" altLang="en-US"/>
           </a:p>
@@ -3507,7 +3507,7 @@
           <a:p>
             <a:fld id="{A6C78DEA-2657-4396-92FF-248FB6B0B7B4}" type="datetime1">
               <a:rPr lang="ko-KR" altLang="en-US" smtClean="0"/>
-              <a:t>2021-06-12</a:t>
+              <a:t>2021-08-07</a:t>
             </a:fld>
             <a:endParaRPr lang="ko-KR" altLang="en-US"/>
           </a:p>
@@ -3685,7 +3685,7 @@
           <a:p>
             <a:fld id="{05065AE0-CC8C-4797-A547-A7BC6B5A168C}" type="datetime1">
               <a:rPr lang="ko-KR" altLang="en-US" smtClean="0"/>
-              <a:t>2021-06-12</a:t>
+              <a:t>2021-08-07</a:t>
             </a:fld>
             <a:endParaRPr lang="ko-KR" altLang="en-US"/>
           </a:p>
@@ -4031,7 +4031,7 @@
           <a:p>
             <a:fld id="{1A2B8189-6401-4F87-9FC1-AD242B1DA457}" type="datetime1">
               <a:rPr lang="ko-KR" altLang="en-US" smtClean="0"/>
-              <a:t>2021-06-12</a:t>
+              <a:t>2021-08-07</a:t>
             </a:fld>
             <a:endParaRPr lang="ko-KR" altLang="en-US"/>
           </a:p>
@@ -4413,7 +4413,7 @@
           <a:p>
             <a:fld id="{FF945A7E-D878-4D2D-976F-3B624450A8C9}" type="datetime1">
               <a:rPr lang="ko-KR" altLang="en-US" smtClean="0"/>
-              <a:t>2021-06-12</a:t>
+              <a:t>2021-08-07</a:t>
             </a:fld>
             <a:endParaRPr lang="ko-KR" altLang="en-US"/>
           </a:p>
@@ -4583,7 +4583,7 @@
           <a:p>
             <a:fld id="{3A7CF07D-0E69-46C5-9283-90708411E3AC}" type="datetime1">
               <a:rPr lang="ko-KR" altLang="en-US" smtClean="0"/>
-              <a:t>2021-06-12</a:t>
+              <a:t>2021-08-07</a:t>
             </a:fld>
             <a:endParaRPr lang="ko-KR" altLang="en-US"/>
           </a:p>
@@ -4839,7 +4839,7 @@
           <a:p>
             <a:fld id="{7BBFA8E2-AF0C-4D4D-8EF6-C4A6F762B4A5}" type="datetime1">
               <a:rPr lang="ko-KR" altLang="en-US" smtClean="0"/>
-              <a:t>2021-06-12</a:t>
+              <a:t>2021-08-07</a:t>
             </a:fld>
             <a:endParaRPr lang="ko-KR" altLang="en-US"/>
           </a:p>
@@ -5090,7 +5090,7 @@
           <a:p>
             <a:fld id="{7C1AB336-DB52-4BED-8B2B-CBECCEB13DD7}" type="datetime1">
               <a:rPr lang="ko-KR" altLang="en-US" smtClean="0"/>
-              <a:t>2021-06-12</a:t>
+              <a:t>2021-08-07</a:t>
             </a:fld>
             <a:endParaRPr lang="ko-KR" altLang="en-US"/>
           </a:p>
@@ -5322,7 +5322,7 @@
           <a:p>
             <a:fld id="{7C435F5F-344B-4238-B412-96B5983D90E0}" type="datetime1">
               <a:rPr lang="ko-KR" altLang="en-US" smtClean="0"/>
-              <a:t>2021-06-12</a:t>
+              <a:t>2021-08-07</a:t>
             </a:fld>
             <a:endParaRPr lang="ko-KR" altLang="en-US"/>
           </a:p>
@@ -5669,7 +5669,7 @@
           <a:p>
             <a:fld id="{51BB8786-887F-4D2B-BA7E-4368F2C28CA0}" type="datetime1">
               <a:rPr lang="ko-KR" altLang="en-US" smtClean="0"/>
-              <a:t>2021-06-12</a:t>
+              <a:t>2021-08-07</a:t>
             </a:fld>
             <a:endParaRPr lang="ko-KR" altLang="en-US"/>
           </a:p>
@@ -5787,7 +5787,7 @@
           <a:p>
             <a:fld id="{75247F2A-029C-4478-8313-F24F6EAB9C3F}" type="datetime1">
               <a:rPr lang="ko-KR" altLang="en-US" smtClean="0"/>
-              <a:t>2021-06-12</a:t>
+              <a:t>2021-08-07</a:t>
             </a:fld>
             <a:endParaRPr lang="ko-KR" altLang="en-US"/>
           </a:p>
@@ -5905,7 +5905,7 @@
           <a:p>
             <a:fld id="{49C5F078-59DC-4C76-AB73-E16ADF1E63BD}" type="datetime1">
               <a:rPr lang="ko-KR" altLang="en-US" smtClean="0"/>
-              <a:t>2021-06-12</a:t>
+              <a:t>2021-08-07</a:t>
             </a:fld>
             <a:endParaRPr lang="ko-KR" altLang="en-US"/>
           </a:p>
@@ -6189,7 +6189,7 @@
           <a:p>
             <a:fld id="{261AE11B-A8FD-4EBB-973C-949A3125E761}" type="datetime1">
               <a:rPr lang="ko-KR" altLang="en-US" smtClean="0"/>
-              <a:t>2021-06-12</a:t>
+              <a:t>2021-08-07</a:t>
             </a:fld>
             <a:endParaRPr lang="ko-KR" altLang="en-US"/>
           </a:p>
@@ -6453,7 +6453,7 @@
           <a:p>
             <a:fld id="{AF9F4E65-387E-4CA9-83ED-AEEBA84F7D5B}" type="datetime1">
               <a:rPr lang="ko-KR" altLang="en-US" smtClean="0"/>
-              <a:t>2021-06-12</a:t>
+              <a:t>2021-08-07</a:t>
             </a:fld>
             <a:endParaRPr lang="ko-KR" altLang="en-US"/>
           </a:p>
@@ -6667,7 +6667,7 @@
           <a:p>
             <a:fld id="{9965DF3D-ADD7-45E2-A71A-84CBDAF88167}" type="datetime1">
               <a:rPr lang="ko-KR" altLang="en-US" smtClean="0"/>
-              <a:t>2021-06-12</a:t>
+              <a:t>2021-08-07</a:t>
             </a:fld>
             <a:endParaRPr lang="ko-KR" altLang="en-US"/>
           </a:p>
@@ -7271,7 +7271,7 @@
           <a:p>
             <a:fld id="{B4DEC7F3-5298-4EAC-A00E-C17E991B3FB2}" type="datetime1">
               <a:rPr lang="ko-KR" altLang="en-US" smtClean="0"/>
-              <a:t>2021-06-12</a:t>
+              <a:t>2021-08-07</a:t>
             </a:fld>
             <a:endParaRPr lang="ko-KR" altLang="en-US"/>
           </a:p>
@@ -7889,7 +7889,6 @@
               <a:rPr lang="ko-KR" altLang="en-US" dirty="0"/>
               <a:t>팀</a:t>
             </a:r>
-            <a:endParaRPr lang="ko-KR" altLang="en-US" dirty="0"/>
           </a:p>
         </p:txBody>
       </p:sp>
